--- a/Requirement/High level Requirement.pptx
+++ b/Requirement/High level Requirement.pptx
@@ -104,6 +104,11 @@
       </a:defRPr>
     </a:lvl9pPr>
   </p:defaultTextStyle>
+  <p:extLst>
+    <p:ext uri="{EFAFB233-063F-42B5-8137-9DF3F51BA10A}">
+      <p15:sldGuideLst xmlns:p15="http://schemas.microsoft.com/office/powerpoint/2012/main"/>
+    </p:ext>
+  </p:extLst>
 </p:presentation>
 </file>
 
@@ -238,7 +243,7 @@
           <a:p>
             <a:fld id="{968BA73A-CED5-0749-A7D2-0B176A48C045}" type="datetimeFigureOut">
               <a:rPr lang="en-US" smtClean="0"/>
-              <a:t>9/5/17</a:t>
+              <a:t>9/6/17</a:t>
             </a:fld>
             <a:endParaRPr lang="en-US"/>
           </a:p>
@@ -408,7 +413,7 @@
           <a:p>
             <a:fld id="{968BA73A-CED5-0749-A7D2-0B176A48C045}" type="datetimeFigureOut">
               <a:rPr lang="en-US" smtClean="0"/>
-              <a:t>9/5/17</a:t>
+              <a:t>9/6/17</a:t>
             </a:fld>
             <a:endParaRPr lang="en-US"/>
           </a:p>
@@ -588,7 +593,7 @@
           <a:p>
             <a:fld id="{968BA73A-CED5-0749-A7D2-0B176A48C045}" type="datetimeFigureOut">
               <a:rPr lang="en-US" smtClean="0"/>
-              <a:t>9/5/17</a:t>
+              <a:t>9/6/17</a:t>
             </a:fld>
             <a:endParaRPr lang="en-US"/>
           </a:p>
@@ -758,7 +763,7 @@
           <a:p>
             <a:fld id="{968BA73A-CED5-0749-A7D2-0B176A48C045}" type="datetimeFigureOut">
               <a:rPr lang="en-US" smtClean="0"/>
-              <a:t>9/5/17</a:t>
+              <a:t>9/6/17</a:t>
             </a:fld>
             <a:endParaRPr lang="en-US"/>
           </a:p>
@@ -1004,7 +1009,7 @@
           <a:p>
             <a:fld id="{968BA73A-CED5-0749-A7D2-0B176A48C045}" type="datetimeFigureOut">
               <a:rPr lang="en-US" smtClean="0"/>
-              <a:t>9/5/17</a:t>
+              <a:t>9/6/17</a:t>
             </a:fld>
             <a:endParaRPr lang="en-US"/>
           </a:p>
@@ -1236,7 +1241,7 @@
           <a:p>
             <a:fld id="{968BA73A-CED5-0749-A7D2-0B176A48C045}" type="datetimeFigureOut">
               <a:rPr lang="en-US" smtClean="0"/>
-              <a:t>9/5/17</a:t>
+              <a:t>9/6/17</a:t>
             </a:fld>
             <a:endParaRPr lang="en-US"/>
           </a:p>
@@ -1603,7 +1608,7 @@
           <a:p>
             <a:fld id="{968BA73A-CED5-0749-A7D2-0B176A48C045}" type="datetimeFigureOut">
               <a:rPr lang="en-US" smtClean="0"/>
-              <a:t>9/5/17</a:t>
+              <a:t>9/6/17</a:t>
             </a:fld>
             <a:endParaRPr lang="en-US"/>
           </a:p>
@@ -1721,7 +1726,7 @@
           <a:p>
             <a:fld id="{968BA73A-CED5-0749-A7D2-0B176A48C045}" type="datetimeFigureOut">
               <a:rPr lang="en-US" smtClean="0"/>
-              <a:t>9/5/17</a:t>
+              <a:t>9/6/17</a:t>
             </a:fld>
             <a:endParaRPr lang="en-US"/>
           </a:p>
@@ -1816,7 +1821,7 @@
           <a:p>
             <a:fld id="{968BA73A-CED5-0749-A7D2-0B176A48C045}" type="datetimeFigureOut">
               <a:rPr lang="en-US" smtClean="0"/>
-              <a:t>9/5/17</a:t>
+              <a:t>9/6/17</a:t>
             </a:fld>
             <a:endParaRPr lang="en-US"/>
           </a:p>
@@ -2093,7 +2098,7 @@
           <a:p>
             <a:fld id="{968BA73A-CED5-0749-A7D2-0B176A48C045}" type="datetimeFigureOut">
               <a:rPr lang="en-US" smtClean="0"/>
-              <a:t>9/5/17</a:t>
+              <a:t>9/6/17</a:t>
             </a:fld>
             <a:endParaRPr lang="en-US"/>
           </a:p>
@@ -2346,7 +2351,7 @@
           <a:p>
             <a:fld id="{968BA73A-CED5-0749-A7D2-0B176A48C045}" type="datetimeFigureOut">
               <a:rPr lang="en-US" smtClean="0"/>
-              <a:t>9/5/17</a:t>
+              <a:t>9/6/17</a:t>
             </a:fld>
             <a:endParaRPr lang="en-US"/>
           </a:p>
@@ -2559,7 +2564,7 @@
           <a:p>
             <a:fld id="{968BA73A-CED5-0749-A7D2-0B176A48C045}" type="datetimeFigureOut">
               <a:rPr lang="en-US" smtClean="0"/>
-              <a:t>9/5/17</a:t>
+              <a:t>9/6/17</a:t>
             </a:fld>
             <a:endParaRPr lang="en-US"/>
           </a:p>
@@ -3851,6 +3856,108 @@
           </a:fontRef>
         </p:style>
       </p:cxnSp>
+      <p:sp>
+        <p:nvSpPr>
+          <p:cNvPr id="2" name="TextBox 1"/>
+          <p:cNvSpPr txBox="1"/>
+          <p:nvPr/>
+        </p:nvSpPr>
+        <p:spPr>
+          <a:xfrm>
+            <a:off x="7110852" y="1924686"/>
+            <a:ext cx="942117" cy="369332"/>
+          </a:xfrm>
+          <a:prstGeom prst="rect">
+            <a:avLst/>
+          </a:prstGeom>
+          <a:noFill/>
+        </p:spPr>
+        <p:txBody>
+          <a:bodyPr wrap="square" rtlCol="0">
+            <a:spAutoFit/>
+          </a:bodyPr>
+          <a:lstStyle/>
+          <a:p>
+            <a:r>
+              <a:rPr lang="en-US" dirty="0" smtClean="0"/>
+              <a:t>S</a:t>
+            </a:r>
+            <a:r>
+              <a:rPr lang="vi-VN" dirty="0" smtClean="0"/>
+              <a:t>tep 1</a:t>
+            </a:r>
+            <a:endParaRPr lang="en-US" dirty="0"/>
+          </a:p>
+        </p:txBody>
+      </p:sp>
+      <p:sp>
+        <p:nvSpPr>
+          <p:cNvPr id="23" name="TextBox 22"/>
+          <p:cNvSpPr txBox="1"/>
+          <p:nvPr/>
+        </p:nvSpPr>
+        <p:spPr>
+          <a:xfrm>
+            <a:off x="6864923" y="3491344"/>
+            <a:ext cx="942117" cy="369332"/>
+          </a:xfrm>
+          <a:prstGeom prst="rect">
+            <a:avLst/>
+          </a:prstGeom>
+          <a:noFill/>
+        </p:spPr>
+        <p:txBody>
+          <a:bodyPr wrap="square" rtlCol="0">
+            <a:spAutoFit/>
+          </a:bodyPr>
+          <a:lstStyle/>
+          <a:p>
+            <a:r>
+              <a:rPr lang="en-US" dirty="0" smtClean="0"/>
+              <a:t>S</a:t>
+            </a:r>
+            <a:r>
+              <a:rPr lang="vi-VN" dirty="0" smtClean="0"/>
+              <a:t>tep 2</a:t>
+            </a:r>
+            <a:endParaRPr lang="en-US" dirty="0"/>
+          </a:p>
+        </p:txBody>
+      </p:sp>
+      <p:sp>
+        <p:nvSpPr>
+          <p:cNvPr id="25" name="TextBox 24"/>
+          <p:cNvSpPr txBox="1"/>
+          <p:nvPr/>
+        </p:nvSpPr>
+        <p:spPr>
+          <a:xfrm>
+            <a:off x="917955" y="3411679"/>
+            <a:ext cx="942117" cy="369332"/>
+          </a:xfrm>
+          <a:prstGeom prst="rect">
+            <a:avLst/>
+          </a:prstGeom>
+          <a:noFill/>
+        </p:spPr>
+        <p:txBody>
+          <a:bodyPr wrap="square" rtlCol="0">
+            <a:spAutoFit/>
+          </a:bodyPr>
+          <a:lstStyle/>
+          <a:p>
+            <a:r>
+              <a:rPr lang="en-US" dirty="0" smtClean="0"/>
+              <a:t>S</a:t>
+            </a:r>
+            <a:r>
+              <a:rPr lang="vi-VN" dirty="0" smtClean="0"/>
+              <a:t>tep 3</a:t>
+            </a:r>
+            <a:endParaRPr lang="en-US" dirty="0"/>
+          </a:p>
+        </p:txBody>
+      </p:sp>
     </p:spTree>
     <p:extLst>
       <p:ext uri="{BB962C8B-B14F-4D97-AF65-F5344CB8AC3E}">
